--- a/ppt 16-9/0839.献己于主.pptx
+++ b/ppt 16-9/0839.献己于主.pptx
@@ -5,7 +5,7 @@
     <p:sldMasterId id="2147483648" r:id="rId1"/>
   </p:sldMasterIdLst>
   <p:sldIdLst>
-    <p:sldId id="2130" r:id="rId2"/>
+    <p:sldId id="2131" r:id="rId2"/>
   </p:sldIdLst>
   <p:sldSz cx="12192000" cy="6858000"/>
   <p:notesSz cx="6858000" cy="9144000"/>
@@ -129,7 +129,7 @@
           <p:cNvPr id="2" name="标题 1">
             <a:extLst>
               <a:ext uri="{FF2B5EF4-FFF2-40B4-BE49-F238E27FC236}">
-                <a16:creationId xmlns:a16="http://schemas.microsoft.com/office/drawing/2014/main" id="{BCE87C40-1A41-8BD8-0DDD-40E9E1689ABF}"/>
+                <a16:creationId xmlns:a16="http://schemas.microsoft.com/office/drawing/2014/main" id="{EFE64019-B0F7-83FC-5C99-49A7669A3802}"/>
               </a:ext>
             </a:extLst>
           </p:cNvPr>
@@ -166,7 +166,7 @@
           <p:cNvPr id="3" name="副标题 2">
             <a:extLst>
               <a:ext uri="{FF2B5EF4-FFF2-40B4-BE49-F238E27FC236}">
-                <a16:creationId xmlns:a16="http://schemas.microsoft.com/office/drawing/2014/main" id="{4230D71D-B567-D411-9B12-1C126B63C14E}"/>
+                <a16:creationId xmlns:a16="http://schemas.microsoft.com/office/drawing/2014/main" id="{C6326FCD-7CFA-913A-5928-0F6A3D700721}"/>
               </a:ext>
             </a:extLst>
           </p:cNvPr>
@@ -236,7 +236,7 @@
           <p:cNvPr id="4" name="日期占位符 3">
             <a:extLst>
               <a:ext uri="{FF2B5EF4-FFF2-40B4-BE49-F238E27FC236}">
-                <a16:creationId xmlns:a16="http://schemas.microsoft.com/office/drawing/2014/main" id="{012DB18F-72A3-9FC4-BA27-848571441296}"/>
+                <a16:creationId xmlns:a16="http://schemas.microsoft.com/office/drawing/2014/main" id="{59EC769C-728B-656A-0440-624DA0154A03}"/>
               </a:ext>
             </a:extLst>
           </p:cNvPr>
@@ -252,7 +252,7 @@
           <a:bodyPr/>
           <a:lstStyle/>
           <a:p>
-            <a:fld id="{67232C22-6953-4731-A149-ED2C471E2963}" type="datetimeFigureOut">
+            <a:fld id="{B60754F3-5CF6-47D7-8804-C72B012F744C}" type="datetimeFigureOut">
               <a:rPr lang="zh-CN" altLang="en-US" smtClean="0"/>
               <a:t>2024/3/10</a:t>
             </a:fld>
@@ -265,7 +265,7 @@
           <p:cNvPr id="5" name="页脚占位符 4">
             <a:extLst>
               <a:ext uri="{FF2B5EF4-FFF2-40B4-BE49-F238E27FC236}">
-                <a16:creationId xmlns:a16="http://schemas.microsoft.com/office/drawing/2014/main" id="{6F019B96-D7AA-135A-C4C8-9F6229927C1E}"/>
+                <a16:creationId xmlns:a16="http://schemas.microsoft.com/office/drawing/2014/main" id="{57099589-B47C-8B91-EDE6-4A572266430B}"/>
               </a:ext>
             </a:extLst>
           </p:cNvPr>
@@ -290,7 +290,7 @@
           <p:cNvPr id="6" name="灯片编号占位符 5">
             <a:extLst>
               <a:ext uri="{FF2B5EF4-FFF2-40B4-BE49-F238E27FC236}">
-                <a16:creationId xmlns:a16="http://schemas.microsoft.com/office/drawing/2014/main" id="{54E428AD-0411-B7A1-D882-CFFA80A6E7DB}"/>
+                <a16:creationId xmlns:a16="http://schemas.microsoft.com/office/drawing/2014/main" id="{FB87C347-54EB-AB8F-5815-EFE8973FA8E0}"/>
               </a:ext>
             </a:extLst>
           </p:cNvPr>
@@ -306,7 +306,7 @@
           <a:bodyPr/>
           <a:lstStyle/>
           <a:p>
-            <a:fld id="{30B8C765-689D-4FF8-A24C-C1DAAD716DF4}" type="slidenum">
+            <a:fld id="{5F27E8D4-F7C3-4D31-995E-D58289451A45}" type="slidenum">
               <a:rPr lang="zh-CN" altLang="en-US" smtClean="0"/>
               <a:t>‹#›</a:t>
             </a:fld>
@@ -317,7 +317,7 @@
     </p:spTree>
     <p:extLst>
       <p:ext uri="{BB962C8B-B14F-4D97-AF65-F5344CB8AC3E}">
-        <p14:creationId xmlns:p14="http://schemas.microsoft.com/office/powerpoint/2010/main" val="900581997"/>
+        <p14:creationId xmlns:p14="http://schemas.microsoft.com/office/powerpoint/2010/main" val="1560297599"/>
       </p:ext>
     </p:extLst>
   </p:cSld>
@@ -349,7 +349,7 @@
           <p:cNvPr id="2" name="标题 1">
             <a:extLst>
               <a:ext uri="{FF2B5EF4-FFF2-40B4-BE49-F238E27FC236}">
-                <a16:creationId xmlns:a16="http://schemas.microsoft.com/office/drawing/2014/main" id="{28350D6E-9CDD-8C9E-D63D-DD73885EA3F2}"/>
+                <a16:creationId xmlns:a16="http://schemas.microsoft.com/office/drawing/2014/main" id="{07ECA4F9-311B-C71A-C06F-B060F292A3B2}"/>
               </a:ext>
             </a:extLst>
           </p:cNvPr>
@@ -377,7 +377,7 @@
           <p:cNvPr id="3" name="竖排文字占位符 2">
             <a:extLst>
               <a:ext uri="{FF2B5EF4-FFF2-40B4-BE49-F238E27FC236}">
-                <a16:creationId xmlns:a16="http://schemas.microsoft.com/office/drawing/2014/main" id="{8D2EAD96-26E6-C270-64E8-F90AC5F80826}"/>
+                <a16:creationId xmlns:a16="http://schemas.microsoft.com/office/drawing/2014/main" id="{2DFCA150-2550-959E-EF95-DC5BB519E841}"/>
               </a:ext>
             </a:extLst>
           </p:cNvPr>
@@ -434,7 +434,7 @@
           <p:cNvPr id="4" name="日期占位符 3">
             <a:extLst>
               <a:ext uri="{FF2B5EF4-FFF2-40B4-BE49-F238E27FC236}">
-                <a16:creationId xmlns:a16="http://schemas.microsoft.com/office/drawing/2014/main" id="{E9F34F7C-9B2B-3A20-ACC9-1883CA34DA05}"/>
+                <a16:creationId xmlns:a16="http://schemas.microsoft.com/office/drawing/2014/main" id="{2B05CFFE-4E73-323E-B0D4-8BE3C1299B63}"/>
               </a:ext>
             </a:extLst>
           </p:cNvPr>
@@ -450,7 +450,7 @@
           <a:bodyPr/>
           <a:lstStyle/>
           <a:p>
-            <a:fld id="{67232C22-6953-4731-A149-ED2C471E2963}" type="datetimeFigureOut">
+            <a:fld id="{B60754F3-5CF6-47D7-8804-C72B012F744C}" type="datetimeFigureOut">
               <a:rPr lang="zh-CN" altLang="en-US" smtClean="0"/>
               <a:t>2024/3/10</a:t>
             </a:fld>
@@ -463,7 +463,7 @@
           <p:cNvPr id="5" name="页脚占位符 4">
             <a:extLst>
               <a:ext uri="{FF2B5EF4-FFF2-40B4-BE49-F238E27FC236}">
-                <a16:creationId xmlns:a16="http://schemas.microsoft.com/office/drawing/2014/main" id="{C1948026-5C18-C34C-AF7B-A01ACEE914C2}"/>
+                <a16:creationId xmlns:a16="http://schemas.microsoft.com/office/drawing/2014/main" id="{9B55E5B3-77EE-5C0F-25F1-DD0D8DC16D97}"/>
               </a:ext>
             </a:extLst>
           </p:cNvPr>
@@ -488,7 +488,7 @@
           <p:cNvPr id="6" name="灯片编号占位符 5">
             <a:extLst>
               <a:ext uri="{FF2B5EF4-FFF2-40B4-BE49-F238E27FC236}">
-                <a16:creationId xmlns:a16="http://schemas.microsoft.com/office/drawing/2014/main" id="{86CAFB3D-DC40-4BA6-76EA-DE6709538A7C}"/>
+                <a16:creationId xmlns:a16="http://schemas.microsoft.com/office/drawing/2014/main" id="{B96E419A-7654-B914-6CE2-56CF1D8A79BD}"/>
               </a:ext>
             </a:extLst>
           </p:cNvPr>
@@ -504,7 +504,7 @@
           <a:bodyPr/>
           <a:lstStyle/>
           <a:p>
-            <a:fld id="{30B8C765-689D-4FF8-A24C-C1DAAD716DF4}" type="slidenum">
+            <a:fld id="{5F27E8D4-F7C3-4D31-995E-D58289451A45}" type="slidenum">
               <a:rPr lang="zh-CN" altLang="en-US" smtClean="0"/>
               <a:t>‹#›</a:t>
             </a:fld>
@@ -515,7 +515,7 @@
     </p:spTree>
     <p:extLst>
       <p:ext uri="{BB962C8B-B14F-4D97-AF65-F5344CB8AC3E}">
-        <p14:creationId xmlns:p14="http://schemas.microsoft.com/office/powerpoint/2010/main" val="1978220355"/>
+        <p14:creationId xmlns:p14="http://schemas.microsoft.com/office/powerpoint/2010/main" val="1966193190"/>
       </p:ext>
     </p:extLst>
   </p:cSld>
@@ -547,7 +547,7 @@
           <p:cNvPr id="2" name="竖排标题 1">
             <a:extLst>
               <a:ext uri="{FF2B5EF4-FFF2-40B4-BE49-F238E27FC236}">
-                <a16:creationId xmlns:a16="http://schemas.microsoft.com/office/drawing/2014/main" id="{F9E780A2-67AC-4A20-E20F-97E83F78ECE8}"/>
+                <a16:creationId xmlns:a16="http://schemas.microsoft.com/office/drawing/2014/main" id="{D76CF562-7972-BF01-DDBF-793DF1E094E0}"/>
               </a:ext>
             </a:extLst>
           </p:cNvPr>
@@ -580,7 +580,7 @@
           <p:cNvPr id="3" name="竖排文字占位符 2">
             <a:extLst>
               <a:ext uri="{FF2B5EF4-FFF2-40B4-BE49-F238E27FC236}">
-                <a16:creationId xmlns:a16="http://schemas.microsoft.com/office/drawing/2014/main" id="{FAAE2130-C5C6-653D-4C06-C7376CCAB0DF}"/>
+                <a16:creationId xmlns:a16="http://schemas.microsoft.com/office/drawing/2014/main" id="{6BA7C4A7-B080-B8DF-DE1A-BA8008369370}"/>
               </a:ext>
             </a:extLst>
           </p:cNvPr>
@@ -642,7 +642,7 @@
           <p:cNvPr id="4" name="日期占位符 3">
             <a:extLst>
               <a:ext uri="{FF2B5EF4-FFF2-40B4-BE49-F238E27FC236}">
-                <a16:creationId xmlns:a16="http://schemas.microsoft.com/office/drawing/2014/main" id="{6716F5E5-6D1D-3A8F-D6D4-DDB6B8275D72}"/>
+                <a16:creationId xmlns:a16="http://schemas.microsoft.com/office/drawing/2014/main" id="{115109E0-C7AF-8739-7334-C418B6F5BE72}"/>
               </a:ext>
             </a:extLst>
           </p:cNvPr>
@@ -658,7 +658,7 @@
           <a:bodyPr/>
           <a:lstStyle/>
           <a:p>
-            <a:fld id="{67232C22-6953-4731-A149-ED2C471E2963}" type="datetimeFigureOut">
+            <a:fld id="{B60754F3-5CF6-47D7-8804-C72B012F744C}" type="datetimeFigureOut">
               <a:rPr lang="zh-CN" altLang="en-US" smtClean="0"/>
               <a:t>2024/3/10</a:t>
             </a:fld>
@@ -671,7 +671,7 @@
           <p:cNvPr id="5" name="页脚占位符 4">
             <a:extLst>
               <a:ext uri="{FF2B5EF4-FFF2-40B4-BE49-F238E27FC236}">
-                <a16:creationId xmlns:a16="http://schemas.microsoft.com/office/drawing/2014/main" id="{05083A55-FC19-0F68-C00C-774867C417E0}"/>
+                <a16:creationId xmlns:a16="http://schemas.microsoft.com/office/drawing/2014/main" id="{6CE71F4D-2B3F-67B0-6114-6B12392D07EF}"/>
               </a:ext>
             </a:extLst>
           </p:cNvPr>
@@ -696,7 +696,7 @@
           <p:cNvPr id="6" name="灯片编号占位符 5">
             <a:extLst>
               <a:ext uri="{FF2B5EF4-FFF2-40B4-BE49-F238E27FC236}">
-                <a16:creationId xmlns:a16="http://schemas.microsoft.com/office/drawing/2014/main" id="{0B3661C1-D204-4663-0EF7-E0293B7A73B5}"/>
+                <a16:creationId xmlns:a16="http://schemas.microsoft.com/office/drawing/2014/main" id="{30A254DF-C24A-4846-66E4-2A2D39B50A62}"/>
               </a:ext>
             </a:extLst>
           </p:cNvPr>
@@ -712,7 +712,7 @@
           <a:bodyPr/>
           <a:lstStyle/>
           <a:p>
-            <a:fld id="{30B8C765-689D-4FF8-A24C-C1DAAD716DF4}" type="slidenum">
+            <a:fld id="{5F27E8D4-F7C3-4D31-995E-D58289451A45}" type="slidenum">
               <a:rPr lang="zh-CN" altLang="en-US" smtClean="0"/>
               <a:t>‹#›</a:t>
             </a:fld>
@@ -723,7 +723,7 @@
     </p:spTree>
     <p:extLst>
       <p:ext uri="{BB962C8B-B14F-4D97-AF65-F5344CB8AC3E}">
-        <p14:creationId xmlns:p14="http://schemas.microsoft.com/office/powerpoint/2010/main" val="1494335946"/>
+        <p14:creationId xmlns:p14="http://schemas.microsoft.com/office/powerpoint/2010/main" val="4158776491"/>
       </p:ext>
     </p:extLst>
   </p:cSld>
@@ -755,7 +755,7 @@
           <p:cNvPr id="2" name="标题 1">
             <a:extLst>
               <a:ext uri="{FF2B5EF4-FFF2-40B4-BE49-F238E27FC236}">
-                <a16:creationId xmlns:a16="http://schemas.microsoft.com/office/drawing/2014/main" id="{4E8B86E3-B01F-9581-1FD8-68B0CBF94B4B}"/>
+                <a16:creationId xmlns:a16="http://schemas.microsoft.com/office/drawing/2014/main" id="{493019C6-80C3-BD82-1191-0C774DDB089F}"/>
               </a:ext>
             </a:extLst>
           </p:cNvPr>
@@ -783,7 +783,7 @@
           <p:cNvPr id="3" name="内容占位符 2">
             <a:extLst>
               <a:ext uri="{FF2B5EF4-FFF2-40B4-BE49-F238E27FC236}">
-                <a16:creationId xmlns:a16="http://schemas.microsoft.com/office/drawing/2014/main" id="{048BC630-FEB5-CC81-9523-022A7707E644}"/>
+                <a16:creationId xmlns:a16="http://schemas.microsoft.com/office/drawing/2014/main" id="{5DADA220-952E-F126-1FAD-47EC8C8B4EE0}"/>
               </a:ext>
             </a:extLst>
           </p:cNvPr>
@@ -840,7 +840,7 @@
           <p:cNvPr id="4" name="日期占位符 3">
             <a:extLst>
               <a:ext uri="{FF2B5EF4-FFF2-40B4-BE49-F238E27FC236}">
-                <a16:creationId xmlns:a16="http://schemas.microsoft.com/office/drawing/2014/main" id="{FB670DAA-7760-5C3E-051C-E0EFD43B026F}"/>
+                <a16:creationId xmlns:a16="http://schemas.microsoft.com/office/drawing/2014/main" id="{AAE3BFBC-3D75-85A1-8BD5-1C91B253A987}"/>
               </a:ext>
             </a:extLst>
           </p:cNvPr>
@@ -856,7 +856,7 @@
           <a:bodyPr/>
           <a:lstStyle/>
           <a:p>
-            <a:fld id="{67232C22-6953-4731-A149-ED2C471E2963}" type="datetimeFigureOut">
+            <a:fld id="{B60754F3-5CF6-47D7-8804-C72B012F744C}" type="datetimeFigureOut">
               <a:rPr lang="zh-CN" altLang="en-US" smtClean="0"/>
               <a:t>2024/3/10</a:t>
             </a:fld>
@@ -869,7 +869,7 @@
           <p:cNvPr id="5" name="页脚占位符 4">
             <a:extLst>
               <a:ext uri="{FF2B5EF4-FFF2-40B4-BE49-F238E27FC236}">
-                <a16:creationId xmlns:a16="http://schemas.microsoft.com/office/drawing/2014/main" id="{35920ED8-9A13-FA71-25B3-49DA78FC9F41}"/>
+                <a16:creationId xmlns:a16="http://schemas.microsoft.com/office/drawing/2014/main" id="{C39D7979-1B89-FDFF-6140-E9414B556EA5}"/>
               </a:ext>
             </a:extLst>
           </p:cNvPr>
@@ -894,7 +894,7 @@
           <p:cNvPr id="6" name="灯片编号占位符 5">
             <a:extLst>
               <a:ext uri="{FF2B5EF4-FFF2-40B4-BE49-F238E27FC236}">
-                <a16:creationId xmlns:a16="http://schemas.microsoft.com/office/drawing/2014/main" id="{BCB91175-A367-CF91-1FA0-40C31A524285}"/>
+                <a16:creationId xmlns:a16="http://schemas.microsoft.com/office/drawing/2014/main" id="{E8B41AAF-A35A-BAB3-FEFC-7381E5BF1AEC}"/>
               </a:ext>
             </a:extLst>
           </p:cNvPr>
@@ -910,7 +910,7 @@
           <a:bodyPr/>
           <a:lstStyle/>
           <a:p>
-            <a:fld id="{30B8C765-689D-4FF8-A24C-C1DAAD716DF4}" type="slidenum">
+            <a:fld id="{5F27E8D4-F7C3-4D31-995E-D58289451A45}" type="slidenum">
               <a:rPr lang="zh-CN" altLang="en-US" smtClean="0"/>
               <a:t>‹#›</a:t>
             </a:fld>
@@ -921,7 +921,7 @@
     </p:spTree>
     <p:extLst>
       <p:ext uri="{BB962C8B-B14F-4D97-AF65-F5344CB8AC3E}">
-        <p14:creationId xmlns:p14="http://schemas.microsoft.com/office/powerpoint/2010/main" val="3864628325"/>
+        <p14:creationId xmlns:p14="http://schemas.microsoft.com/office/powerpoint/2010/main" val="1162602308"/>
       </p:ext>
     </p:extLst>
   </p:cSld>
@@ -953,7 +953,7 @@
           <p:cNvPr id="2" name="标题 1">
             <a:extLst>
               <a:ext uri="{FF2B5EF4-FFF2-40B4-BE49-F238E27FC236}">
-                <a16:creationId xmlns:a16="http://schemas.microsoft.com/office/drawing/2014/main" id="{371BC05E-3FA9-95B0-0D92-B01FE4BF4309}"/>
+                <a16:creationId xmlns:a16="http://schemas.microsoft.com/office/drawing/2014/main" id="{27AD9C4F-8370-E381-D756-229F8EA7B94F}"/>
               </a:ext>
             </a:extLst>
           </p:cNvPr>
@@ -990,7 +990,7 @@
           <p:cNvPr id="3" name="文本占位符 2">
             <a:extLst>
               <a:ext uri="{FF2B5EF4-FFF2-40B4-BE49-F238E27FC236}">
-                <a16:creationId xmlns:a16="http://schemas.microsoft.com/office/drawing/2014/main" id="{3DD4D574-7E32-278F-C2B8-AE3EB9AD2159}"/>
+                <a16:creationId xmlns:a16="http://schemas.microsoft.com/office/drawing/2014/main" id="{AE60E55B-FF9D-2DD4-38B5-EEDB0C7BD9BD}"/>
               </a:ext>
             </a:extLst>
           </p:cNvPr>
@@ -1115,7 +1115,7 @@
           <p:cNvPr id="4" name="日期占位符 3">
             <a:extLst>
               <a:ext uri="{FF2B5EF4-FFF2-40B4-BE49-F238E27FC236}">
-                <a16:creationId xmlns:a16="http://schemas.microsoft.com/office/drawing/2014/main" id="{81470C8C-47ED-2214-B4B2-104BD5FC7A0F}"/>
+                <a16:creationId xmlns:a16="http://schemas.microsoft.com/office/drawing/2014/main" id="{587C22F9-CF38-D00E-2303-3116F37C741E}"/>
               </a:ext>
             </a:extLst>
           </p:cNvPr>
@@ -1131,7 +1131,7 @@
           <a:bodyPr/>
           <a:lstStyle/>
           <a:p>
-            <a:fld id="{67232C22-6953-4731-A149-ED2C471E2963}" type="datetimeFigureOut">
+            <a:fld id="{B60754F3-5CF6-47D7-8804-C72B012F744C}" type="datetimeFigureOut">
               <a:rPr lang="zh-CN" altLang="en-US" smtClean="0"/>
               <a:t>2024/3/10</a:t>
             </a:fld>
@@ -1144,7 +1144,7 @@
           <p:cNvPr id="5" name="页脚占位符 4">
             <a:extLst>
               <a:ext uri="{FF2B5EF4-FFF2-40B4-BE49-F238E27FC236}">
-                <a16:creationId xmlns:a16="http://schemas.microsoft.com/office/drawing/2014/main" id="{968714EA-86A6-3212-2943-70D279D62E8A}"/>
+                <a16:creationId xmlns:a16="http://schemas.microsoft.com/office/drawing/2014/main" id="{A97F8F53-CFA6-240D-F67A-6A9B9EA6ED56}"/>
               </a:ext>
             </a:extLst>
           </p:cNvPr>
@@ -1169,7 +1169,7 @@
           <p:cNvPr id="6" name="灯片编号占位符 5">
             <a:extLst>
               <a:ext uri="{FF2B5EF4-FFF2-40B4-BE49-F238E27FC236}">
-                <a16:creationId xmlns:a16="http://schemas.microsoft.com/office/drawing/2014/main" id="{DED41650-EA34-5706-71AA-2DBEF79738E4}"/>
+                <a16:creationId xmlns:a16="http://schemas.microsoft.com/office/drawing/2014/main" id="{44CC2BF7-7F2B-0D6E-2B82-063BB4EA31FA}"/>
               </a:ext>
             </a:extLst>
           </p:cNvPr>
@@ -1185,7 +1185,7 @@
           <a:bodyPr/>
           <a:lstStyle/>
           <a:p>
-            <a:fld id="{30B8C765-689D-4FF8-A24C-C1DAAD716DF4}" type="slidenum">
+            <a:fld id="{5F27E8D4-F7C3-4D31-995E-D58289451A45}" type="slidenum">
               <a:rPr lang="zh-CN" altLang="en-US" smtClean="0"/>
               <a:t>‹#›</a:t>
             </a:fld>
@@ -1196,7 +1196,7 @@
     </p:spTree>
     <p:extLst>
       <p:ext uri="{BB962C8B-B14F-4D97-AF65-F5344CB8AC3E}">
-        <p14:creationId xmlns:p14="http://schemas.microsoft.com/office/powerpoint/2010/main" val="3108157937"/>
+        <p14:creationId xmlns:p14="http://schemas.microsoft.com/office/powerpoint/2010/main" val="3608198538"/>
       </p:ext>
     </p:extLst>
   </p:cSld>
@@ -1228,7 +1228,7 @@
           <p:cNvPr id="2" name="标题 1">
             <a:extLst>
               <a:ext uri="{FF2B5EF4-FFF2-40B4-BE49-F238E27FC236}">
-                <a16:creationId xmlns:a16="http://schemas.microsoft.com/office/drawing/2014/main" id="{E8BD9E2B-9CE1-29BF-211C-3581E0D610AF}"/>
+                <a16:creationId xmlns:a16="http://schemas.microsoft.com/office/drawing/2014/main" id="{1E8EE629-0056-72AF-4286-9A829D5F1CE4}"/>
               </a:ext>
             </a:extLst>
           </p:cNvPr>
@@ -1256,7 +1256,7 @@
           <p:cNvPr id="3" name="内容占位符 2">
             <a:extLst>
               <a:ext uri="{FF2B5EF4-FFF2-40B4-BE49-F238E27FC236}">
-                <a16:creationId xmlns:a16="http://schemas.microsoft.com/office/drawing/2014/main" id="{0FFF9368-08B2-C194-FB56-85C5D2AA718D}"/>
+                <a16:creationId xmlns:a16="http://schemas.microsoft.com/office/drawing/2014/main" id="{D92D3710-1E45-668A-5FEF-9356C811334B}"/>
               </a:ext>
             </a:extLst>
           </p:cNvPr>
@@ -1318,7 +1318,7 @@
           <p:cNvPr id="4" name="内容占位符 3">
             <a:extLst>
               <a:ext uri="{FF2B5EF4-FFF2-40B4-BE49-F238E27FC236}">
-                <a16:creationId xmlns:a16="http://schemas.microsoft.com/office/drawing/2014/main" id="{75A23FE6-F791-F35E-1E75-3F31B2CD6588}"/>
+                <a16:creationId xmlns:a16="http://schemas.microsoft.com/office/drawing/2014/main" id="{6C0D06A4-6B65-6C55-B970-034A139E7ACD}"/>
               </a:ext>
             </a:extLst>
           </p:cNvPr>
@@ -1380,7 +1380,7 @@
           <p:cNvPr id="5" name="日期占位符 4">
             <a:extLst>
               <a:ext uri="{FF2B5EF4-FFF2-40B4-BE49-F238E27FC236}">
-                <a16:creationId xmlns:a16="http://schemas.microsoft.com/office/drawing/2014/main" id="{A768AD6E-1789-EFFC-F34D-7CE71C7E3594}"/>
+                <a16:creationId xmlns:a16="http://schemas.microsoft.com/office/drawing/2014/main" id="{B9609ABD-C2D5-4018-91A6-B88577F5196C}"/>
               </a:ext>
             </a:extLst>
           </p:cNvPr>
@@ -1396,7 +1396,7 @@
           <a:bodyPr/>
           <a:lstStyle/>
           <a:p>
-            <a:fld id="{67232C22-6953-4731-A149-ED2C471E2963}" type="datetimeFigureOut">
+            <a:fld id="{B60754F3-5CF6-47D7-8804-C72B012F744C}" type="datetimeFigureOut">
               <a:rPr lang="zh-CN" altLang="en-US" smtClean="0"/>
               <a:t>2024/3/10</a:t>
             </a:fld>
@@ -1409,7 +1409,7 @@
           <p:cNvPr id="6" name="页脚占位符 5">
             <a:extLst>
               <a:ext uri="{FF2B5EF4-FFF2-40B4-BE49-F238E27FC236}">
-                <a16:creationId xmlns:a16="http://schemas.microsoft.com/office/drawing/2014/main" id="{8ECB7464-1F23-F754-2BC4-F5B8461CE7D9}"/>
+                <a16:creationId xmlns:a16="http://schemas.microsoft.com/office/drawing/2014/main" id="{812032B9-BE78-4D51-132E-58B0603CE64A}"/>
               </a:ext>
             </a:extLst>
           </p:cNvPr>
@@ -1434,7 +1434,7 @@
           <p:cNvPr id="7" name="灯片编号占位符 6">
             <a:extLst>
               <a:ext uri="{FF2B5EF4-FFF2-40B4-BE49-F238E27FC236}">
-                <a16:creationId xmlns:a16="http://schemas.microsoft.com/office/drawing/2014/main" id="{ED17F277-606E-16D6-A36E-660830F28DE0}"/>
+                <a16:creationId xmlns:a16="http://schemas.microsoft.com/office/drawing/2014/main" id="{A18817EE-E164-4BBC-C4F7-FDDBA1F9FA0D}"/>
               </a:ext>
             </a:extLst>
           </p:cNvPr>
@@ -1450,7 +1450,7 @@
           <a:bodyPr/>
           <a:lstStyle/>
           <a:p>
-            <a:fld id="{30B8C765-689D-4FF8-A24C-C1DAAD716DF4}" type="slidenum">
+            <a:fld id="{5F27E8D4-F7C3-4D31-995E-D58289451A45}" type="slidenum">
               <a:rPr lang="zh-CN" altLang="en-US" smtClean="0"/>
               <a:t>‹#›</a:t>
             </a:fld>
@@ -1461,7 +1461,7 @@
     </p:spTree>
     <p:extLst>
       <p:ext uri="{BB962C8B-B14F-4D97-AF65-F5344CB8AC3E}">
-        <p14:creationId xmlns:p14="http://schemas.microsoft.com/office/powerpoint/2010/main" val="923788393"/>
+        <p14:creationId xmlns:p14="http://schemas.microsoft.com/office/powerpoint/2010/main" val="3589289026"/>
       </p:ext>
     </p:extLst>
   </p:cSld>
@@ -1493,7 +1493,7 @@
           <p:cNvPr id="2" name="标题 1">
             <a:extLst>
               <a:ext uri="{FF2B5EF4-FFF2-40B4-BE49-F238E27FC236}">
-                <a16:creationId xmlns:a16="http://schemas.microsoft.com/office/drawing/2014/main" id="{36835691-58DC-1B5C-71F9-7CBC35BEAAB1}"/>
+                <a16:creationId xmlns:a16="http://schemas.microsoft.com/office/drawing/2014/main" id="{02E7CD3E-16D4-4770-11C9-5B33492F1F84}"/>
               </a:ext>
             </a:extLst>
           </p:cNvPr>
@@ -1526,7 +1526,7 @@
           <p:cNvPr id="3" name="文本占位符 2">
             <a:extLst>
               <a:ext uri="{FF2B5EF4-FFF2-40B4-BE49-F238E27FC236}">
-                <a16:creationId xmlns:a16="http://schemas.microsoft.com/office/drawing/2014/main" id="{3953174F-FA83-C9CB-28A7-58EAAEBF0FAD}"/>
+                <a16:creationId xmlns:a16="http://schemas.microsoft.com/office/drawing/2014/main" id="{4277350A-B1D6-D33B-8E12-C9C90159E98B}"/>
               </a:ext>
             </a:extLst>
           </p:cNvPr>
@@ -1597,7 +1597,7 @@
           <p:cNvPr id="4" name="内容占位符 3">
             <a:extLst>
               <a:ext uri="{FF2B5EF4-FFF2-40B4-BE49-F238E27FC236}">
-                <a16:creationId xmlns:a16="http://schemas.microsoft.com/office/drawing/2014/main" id="{A80128F9-E54B-42F4-2CA5-0DA678EE9B2C}"/>
+                <a16:creationId xmlns:a16="http://schemas.microsoft.com/office/drawing/2014/main" id="{1116AC3A-DDF3-CAE8-7CF4-38682B7CD96E}"/>
               </a:ext>
             </a:extLst>
           </p:cNvPr>
@@ -1659,7 +1659,7 @@
           <p:cNvPr id="5" name="文本占位符 4">
             <a:extLst>
               <a:ext uri="{FF2B5EF4-FFF2-40B4-BE49-F238E27FC236}">
-                <a16:creationId xmlns:a16="http://schemas.microsoft.com/office/drawing/2014/main" id="{3BE2BC6D-96D1-83B8-3E4E-27BDBE8A6DEA}"/>
+                <a16:creationId xmlns:a16="http://schemas.microsoft.com/office/drawing/2014/main" id="{1F358C99-EFF7-286D-20AE-0DCB3C942AD5}"/>
               </a:ext>
             </a:extLst>
           </p:cNvPr>
@@ -1730,7 +1730,7 @@
           <p:cNvPr id="6" name="内容占位符 5">
             <a:extLst>
               <a:ext uri="{FF2B5EF4-FFF2-40B4-BE49-F238E27FC236}">
-                <a16:creationId xmlns:a16="http://schemas.microsoft.com/office/drawing/2014/main" id="{893951F1-FED3-1F5B-2942-4486F2AF0087}"/>
+                <a16:creationId xmlns:a16="http://schemas.microsoft.com/office/drawing/2014/main" id="{510FA3B9-0361-0149-D141-824D6A370BF7}"/>
               </a:ext>
             </a:extLst>
           </p:cNvPr>
@@ -1792,7 +1792,7 @@
           <p:cNvPr id="7" name="日期占位符 6">
             <a:extLst>
               <a:ext uri="{FF2B5EF4-FFF2-40B4-BE49-F238E27FC236}">
-                <a16:creationId xmlns:a16="http://schemas.microsoft.com/office/drawing/2014/main" id="{7FC83A2E-731C-8DA9-42ED-889F5C95F8ED}"/>
+                <a16:creationId xmlns:a16="http://schemas.microsoft.com/office/drawing/2014/main" id="{C458FE83-AF0B-1DA9-6050-6C493539A47A}"/>
               </a:ext>
             </a:extLst>
           </p:cNvPr>
@@ -1808,7 +1808,7 @@
           <a:bodyPr/>
           <a:lstStyle/>
           <a:p>
-            <a:fld id="{67232C22-6953-4731-A149-ED2C471E2963}" type="datetimeFigureOut">
+            <a:fld id="{B60754F3-5CF6-47D7-8804-C72B012F744C}" type="datetimeFigureOut">
               <a:rPr lang="zh-CN" altLang="en-US" smtClean="0"/>
               <a:t>2024/3/10</a:t>
             </a:fld>
@@ -1821,7 +1821,7 @@
           <p:cNvPr id="8" name="页脚占位符 7">
             <a:extLst>
               <a:ext uri="{FF2B5EF4-FFF2-40B4-BE49-F238E27FC236}">
-                <a16:creationId xmlns:a16="http://schemas.microsoft.com/office/drawing/2014/main" id="{6E845BB8-3FB5-E951-F00F-6F833F1037DD}"/>
+                <a16:creationId xmlns:a16="http://schemas.microsoft.com/office/drawing/2014/main" id="{7ABFB59B-8A31-AFEC-3611-F08683C35240}"/>
               </a:ext>
             </a:extLst>
           </p:cNvPr>
@@ -1846,7 +1846,7 @@
           <p:cNvPr id="9" name="灯片编号占位符 8">
             <a:extLst>
               <a:ext uri="{FF2B5EF4-FFF2-40B4-BE49-F238E27FC236}">
-                <a16:creationId xmlns:a16="http://schemas.microsoft.com/office/drawing/2014/main" id="{F58FCDAE-08DE-132E-8078-A0985E0C80F3}"/>
+                <a16:creationId xmlns:a16="http://schemas.microsoft.com/office/drawing/2014/main" id="{90D89A62-5BD9-AE90-D702-C1A8AB07B6E0}"/>
               </a:ext>
             </a:extLst>
           </p:cNvPr>
@@ -1862,7 +1862,7 @@
           <a:bodyPr/>
           <a:lstStyle/>
           <a:p>
-            <a:fld id="{30B8C765-689D-4FF8-A24C-C1DAAD716DF4}" type="slidenum">
+            <a:fld id="{5F27E8D4-F7C3-4D31-995E-D58289451A45}" type="slidenum">
               <a:rPr lang="zh-CN" altLang="en-US" smtClean="0"/>
               <a:t>‹#›</a:t>
             </a:fld>
@@ -1873,7 +1873,7 @@
     </p:spTree>
     <p:extLst>
       <p:ext uri="{BB962C8B-B14F-4D97-AF65-F5344CB8AC3E}">
-        <p14:creationId xmlns:p14="http://schemas.microsoft.com/office/powerpoint/2010/main" val="4196379324"/>
+        <p14:creationId xmlns:p14="http://schemas.microsoft.com/office/powerpoint/2010/main" val="3975397998"/>
       </p:ext>
     </p:extLst>
   </p:cSld>
@@ -1905,7 +1905,7 @@
           <p:cNvPr id="2" name="标题 1">
             <a:extLst>
               <a:ext uri="{FF2B5EF4-FFF2-40B4-BE49-F238E27FC236}">
-                <a16:creationId xmlns:a16="http://schemas.microsoft.com/office/drawing/2014/main" id="{6F7E9824-57B4-8D57-0717-E0FE3C1353D3}"/>
+                <a16:creationId xmlns:a16="http://schemas.microsoft.com/office/drawing/2014/main" id="{D46587CE-9BA1-1D6F-18EB-7B3F45EA83BE}"/>
               </a:ext>
             </a:extLst>
           </p:cNvPr>
@@ -1933,7 +1933,7 @@
           <p:cNvPr id="3" name="日期占位符 2">
             <a:extLst>
               <a:ext uri="{FF2B5EF4-FFF2-40B4-BE49-F238E27FC236}">
-                <a16:creationId xmlns:a16="http://schemas.microsoft.com/office/drawing/2014/main" id="{94B6A815-F4A3-5176-A219-4C818CC4A52B}"/>
+                <a16:creationId xmlns:a16="http://schemas.microsoft.com/office/drawing/2014/main" id="{70CF3A8D-C8A3-5612-B4CF-A262ABADB420}"/>
               </a:ext>
             </a:extLst>
           </p:cNvPr>
@@ -1949,7 +1949,7 @@
           <a:bodyPr/>
           <a:lstStyle/>
           <a:p>
-            <a:fld id="{67232C22-6953-4731-A149-ED2C471E2963}" type="datetimeFigureOut">
+            <a:fld id="{B60754F3-5CF6-47D7-8804-C72B012F744C}" type="datetimeFigureOut">
               <a:rPr lang="zh-CN" altLang="en-US" smtClean="0"/>
               <a:t>2024/3/10</a:t>
             </a:fld>
@@ -1962,7 +1962,7 @@
           <p:cNvPr id="4" name="页脚占位符 3">
             <a:extLst>
               <a:ext uri="{FF2B5EF4-FFF2-40B4-BE49-F238E27FC236}">
-                <a16:creationId xmlns:a16="http://schemas.microsoft.com/office/drawing/2014/main" id="{4041BD58-6C54-4DD6-5002-9DF47B53510F}"/>
+                <a16:creationId xmlns:a16="http://schemas.microsoft.com/office/drawing/2014/main" id="{4B8921C3-36D2-F109-6797-BDF0CA4AE256}"/>
               </a:ext>
             </a:extLst>
           </p:cNvPr>
@@ -1987,7 +1987,7 @@
           <p:cNvPr id="5" name="灯片编号占位符 4">
             <a:extLst>
               <a:ext uri="{FF2B5EF4-FFF2-40B4-BE49-F238E27FC236}">
-                <a16:creationId xmlns:a16="http://schemas.microsoft.com/office/drawing/2014/main" id="{B510ECC1-371A-B7B8-E8C9-ADA8593C21DD}"/>
+                <a16:creationId xmlns:a16="http://schemas.microsoft.com/office/drawing/2014/main" id="{B61CDA1D-AC46-AE79-5F7B-9F42013B3A76}"/>
               </a:ext>
             </a:extLst>
           </p:cNvPr>
@@ -2003,7 +2003,7 @@
           <a:bodyPr/>
           <a:lstStyle/>
           <a:p>
-            <a:fld id="{30B8C765-689D-4FF8-A24C-C1DAAD716DF4}" type="slidenum">
+            <a:fld id="{5F27E8D4-F7C3-4D31-995E-D58289451A45}" type="slidenum">
               <a:rPr lang="zh-CN" altLang="en-US" smtClean="0"/>
               <a:t>‹#›</a:t>
             </a:fld>
@@ -2014,7 +2014,7 @@
     </p:spTree>
     <p:extLst>
       <p:ext uri="{BB962C8B-B14F-4D97-AF65-F5344CB8AC3E}">
-        <p14:creationId xmlns:p14="http://schemas.microsoft.com/office/powerpoint/2010/main" val="1174677776"/>
+        <p14:creationId xmlns:p14="http://schemas.microsoft.com/office/powerpoint/2010/main" val="2215282212"/>
       </p:ext>
     </p:extLst>
   </p:cSld>
@@ -2046,7 +2046,7 @@
           <p:cNvPr id="2" name="日期占位符 1">
             <a:extLst>
               <a:ext uri="{FF2B5EF4-FFF2-40B4-BE49-F238E27FC236}">
-                <a16:creationId xmlns:a16="http://schemas.microsoft.com/office/drawing/2014/main" id="{FE26FF3D-E6E0-68EF-DF0D-0FFD97988102}"/>
+                <a16:creationId xmlns:a16="http://schemas.microsoft.com/office/drawing/2014/main" id="{AF718952-5E2C-6B66-6E6F-8C2491A9D5EB}"/>
               </a:ext>
             </a:extLst>
           </p:cNvPr>
@@ -2062,7 +2062,7 @@
           <a:bodyPr/>
           <a:lstStyle/>
           <a:p>
-            <a:fld id="{67232C22-6953-4731-A149-ED2C471E2963}" type="datetimeFigureOut">
+            <a:fld id="{B60754F3-5CF6-47D7-8804-C72B012F744C}" type="datetimeFigureOut">
               <a:rPr lang="zh-CN" altLang="en-US" smtClean="0"/>
               <a:t>2024/3/10</a:t>
             </a:fld>
@@ -2075,7 +2075,7 @@
           <p:cNvPr id="3" name="页脚占位符 2">
             <a:extLst>
               <a:ext uri="{FF2B5EF4-FFF2-40B4-BE49-F238E27FC236}">
-                <a16:creationId xmlns:a16="http://schemas.microsoft.com/office/drawing/2014/main" id="{F7DDD364-88F6-7CA7-EC04-82E1EB83AAB4}"/>
+                <a16:creationId xmlns:a16="http://schemas.microsoft.com/office/drawing/2014/main" id="{9605B05C-E267-7451-0310-51E7B4F06CF8}"/>
               </a:ext>
             </a:extLst>
           </p:cNvPr>
@@ -2100,7 +2100,7 @@
           <p:cNvPr id="4" name="灯片编号占位符 3">
             <a:extLst>
               <a:ext uri="{FF2B5EF4-FFF2-40B4-BE49-F238E27FC236}">
-                <a16:creationId xmlns:a16="http://schemas.microsoft.com/office/drawing/2014/main" id="{543FCDC3-DBB9-E3A5-FCEE-6058EE95F483}"/>
+                <a16:creationId xmlns:a16="http://schemas.microsoft.com/office/drawing/2014/main" id="{F6E452ED-0775-CCE6-A11F-F67275FF52EB}"/>
               </a:ext>
             </a:extLst>
           </p:cNvPr>
@@ -2116,7 +2116,7 @@
           <a:bodyPr/>
           <a:lstStyle/>
           <a:p>
-            <a:fld id="{30B8C765-689D-4FF8-A24C-C1DAAD716DF4}" type="slidenum">
+            <a:fld id="{5F27E8D4-F7C3-4D31-995E-D58289451A45}" type="slidenum">
               <a:rPr lang="zh-CN" altLang="en-US" smtClean="0"/>
               <a:t>‹#›</a:t>
             </a:fld>
@@ -2127,7 +2127,7 @@
     </p:spTree>
     <p:extLst>
       <p:ext uri="{BB962C8B-B14F-4D97-AF65-F5344CB8AC3E}">
-        <p14:creationId xmlns:p14="http://schemas.microsoft.com/office/powerpoint/2010/main" val="2549961169"/>
+        <p14:creationId xmlns:p14="http://schemas.microsoft.com/office/powerpoint/2010/main" val="2211769842"/>
       </p:ext>
     </p:extLst>
   </p:cSld>
@@ -2159,7 +2159,7 @@
           <p:cNvPr id="2" name="标题 1">
             <a:extLst>
               <a:ext uri="{FF2B5EF4-FFF2-40B4-BE49-F238E27FC236}">
-                <a16:creationId xmlns:a16="http://schemas.microsoft.com/office/drawing/2014/main" id="{7AE137AD-653D-673C-CA83-FE5E9EB14FE9}"/>
+                <a16:creationId xmlns:a16="http://schemas.microsoft.com/office/drawing/2014/main" id="{3BE62CAC-1F07-9D7E-E2B4-6D13178BDA9C}"/>
               </a:ext>
             </a:extLst>
           </p:cNvPr>
@@ -2196,7 +2196,7 @@
           <p:cNvPr id="3" name="内容占位符 2">
             <a:extLst>
               <a:ext uri="{FF2B5EF4-FFF2-40B4-BE49-F238E27FC236}">
-                <a16:creationId xmlns:a16="http://schemas.microsoft.com/office/drawing/2014/main" id="{6109C0DF-D8E8-938A-B252-D4436D796F1E}"/>
+                <a16:creationId xmlns:a16="http://schemas.microsoft.com/office/drawing/2014/main" id="{CA5AF129-883E-C48E-A144-6C5AF5D0F944}"/>
               </a:ext>
             </a:extLst>
           </p:cNvPr>
@@ -2286,7 +2286,7 @@
           <p:cNvPr id="4" name="文本占位符 3">
             <a:extLst>
               <a:ext uri="{FF2B5EF4-FFF2-40B4-BE49-F238E27FC236}">
-                <a16:creationId xmlns:a16="http://schemas.microsoft.com/office/drawing/2014/main" id="{E4A70610-8134-E7D3-00B9-D1E5DFFC6002}"/>
+                <a16:creationId xmlns:a16="http://schemas.microsoft.com/office/drawing/2014/main" id="{3DC90FDD-DD52-C3EC-C64E-EFC1D4106788}"/>
               </a:ext>
             </a:extLst>
           </p:cNvPr>
@@ -2357,7 +2357,7 @@
           <p:cNvPr id="5" name="日期占位符 4">
             <a:extLst>
               <a:ext uri="{FF2B5EF4-FFF2-40B4-BE49-F238E27FC236}">
-                <a16:creationId xmlns:a16="http://schemas.microsoft.com/office/drawing/2014/main" id="{4793645B-F1C7-B8A1-445F-603E0EDB22B7}"/>
+                <a16:creationId xmlns:a16="http://schemas.microsoft.com/office/drawing/2014/main" id="{7F6A6463-110E-600D-2509-6E3088FCFF51}"/>
               </a:ext>
             </a:extLst>
           </p:cNvPr>
@@ -2373,7 +2373,7 @@
           <a:bodyPr/>
           <a:lstStyle/>
           <a:p>
-            <a:fld id="{67232C22-6953-4731-A149-ED2C471E2963}" type="datetimeFigureOut">
+            <a:fld id="{B60754F3-5CF6-47D7-8804-C72B012F744C}" type="datetimeFigureOut">
               <a:rPr lang="zh-CN" altLang="en-US" smtClean="0"/>
               <a:t>2024/3/10</a:t>
             </a:fld>
@@ -2386,7 +2386,7 @@
           <p:cNvPr id="6" name="页脚占位符 5">
             <a:extLst>
               <a:ext uri="{FF2B5EF4-FFF2-40B4-BE49-F238E27FC236}">
-                <a16:creationId xmlns:a16="http://schemas.microsoft.com/office/drawing/2014/main" id="{39C184E0-9963-01F7-CFFA-94EDCFC85EA8}"/>
+                <a16:creationId xmlns:a16="http://schemas.microsoft.com/office/drawing/2014/main" id="{A3387046-F4C7-B647-849D-8FA98941E923}"/>
               </a:ext>
             </a:extLst>
           </p:cNvPr>
@@ -2411,7 +2411,7 @@
           <p:cNvPr id="7" name="灯片编号占位符 6">
             <a:extLst>
               <a:ext uri="{FF2B5EF4-FFF2-40B4-BE49-F238E27FC236}">
-                <a16:creationId xmlns:a16="http://schemas.microsoft.com/office/drawing/2014/main" id="{CE297F92-990C-4B1F-C910-FD397208A0CD}"/>
+                <a16:creationId xmlns:a16="http://schemas.microsoft.com/office/drawing/2014/main" id="{CBE651B7-5E06-4F3A-33A5-F3E68275C994}"/>
               </a:ext>
             </a:extLst>
           </p:cNvPr>
@@ -2427,7 +2427,7 @@
           <a:bodyPr/>
           <a:lstStyle/>
           <a:p>
-            <a:fld id="{30B8C765-689D-4FF8-A24C-C1DAAD716DF4}" type="slidenum">
+            <a:fld id="{5F27E8D4-F7C3-4D31-995E-D58289451A45}" type="slidenum">
               <a:rPr lang="zh-CN" altLang="en-US" smtClean="0"/>
               <a:t>‹#›</a:t>
             </a:fld>
@@ -2438,7 +2438,7 @@
     </p:spTree>
     <p:extLst>
       <p:ext uri="{BB962C8B-B14F-4D97-AF65-F5344CB8AC3E}">
-        <p14:creationId xmlns:p14="http://schemas.microsoft.com/office/powerpoint/2010/main" val="332913875"/>
+        <p14:creationId xmlns:p14="http://schemas.microsoft.com/office/powerpoint/2010/main" val="1577031825"/>
       </p:ext>
     </p:extLst>
   </p:cSld>
@@ -2470,7 +2470,7 @@
           <p:cNvPr id="2" name="标题 1">
             <a:extLst>
               <a:ext uri="{FF2B5EF4-FFF2-40B4-BE49-F238E27FC236}">
-                <a16:creationId xmlns:a16="http://schemas.microsoft.com/office/drawing/2014/main" id="{3B69D116-9D1D-AA14-5662-4506364AA2D0}"/>
+                <a16:creationId xmlns:a16="http://schemas.microsoft.com/office/drawing/2014/main" id="{B233CF8D-9505-01EB-BB04-D73E657E0B5A}"/>
               </a:ext>
             </a:extLst>
           </p:cNvPr>
@@ -2507,7 +2507,7 @@
           <p:cNvPr id="3" name="图片占位符 2">
             <a:extLst>
               <a:ext uri="{FF2B5EF4-FFF2-40B4-BE49-F238E27FC236}">
-                <a16:creationId xmlns:a16="http://schemas.microsoft.com/office/drawing/2014/main" id="{81FDC4FE-4B40-2155-F48E-C517ACA6B65C}"/>
+                <a16:creationId xmlns:a16="http://schemas.microsoft.com/office/drawing/2014/main" id="{C76F5EB1-FD7D-8348-8C46-8FFCD88F4D48}"/>
               </a:ext>
             </a:extLst>
           </p:cNvPr>
@@ -2574,7 +2574,7 @@
           <p:cNvPr id="4" name="文本占位符 3">
             <a:extLst>
               <a:ext uri="{FF2B5EF4-FFF2-40B4-BE49-F238E27FC236}">
-                <a16:creationId xmlns:a16="http://schemas.microsoft.com/office/drawing/2014/main" id="{4536BFA2-D532-037F-16FB-F7CE29B0E830}"/>
+                <a16:creationId xmlns:a16="http://schemas.microsoft.com/office/drawing/2014/main" id="{662F8BC3-09C0-A510-4717-40602DB56559}"/>
               </a:ext>
             </a:extLst>
           </p:cNvPr>
@@ -2645,7 +2645,7 @@
           <p:cNvPr id="5" name="日期占位符 4">
             <a:extLst>
               <a:ext uri="{FF2B5EF4-FFF2-40B4-BE49-F238E27FC236}">
-                <a16:creationId xmlns:a16="http://schemas.microsoft.com/office/drawing/2014/main" id="{9516D34E-1D8C-F622-CA81-A965F4E302EF}"/>
+                <a16:creationId xmlns:a16="http://schemas.microsoft.com/office/drawing/2014/main" id="{59812B6D-AE15-6028-6C3F-E62A6BC9C619}"/>
               </a:ext>
             </a:extLst>
           </p:cNvPr>
@@ -2661,7 +2661,7 @@
           <a:bodyPr/>
           <a:lstStyle/>
           <a:p>
-            <a:fld id="{67232C22-6953-4731-A149-ED2C471E2963}" type="datetimeFigureOut">
+            <a:fld id="{B60754F3-5CF6-47D7-8804-C72B012F744C}" type="datetimeFigureOut">
               <a:rPr lang="zh-CN" altLang="en-US" smtClean="0"/>
               <a:t>2024/3/10</a:t>
             </a:fld>
@@ -2674,7 +2674,7 @@
           <p:cNvPr id="6" name="页脚占位符 5">
             <a:extLst>
               <a:ext uri="{FF2B5EF4-FFF2-40B4-BE49-F238E27FC236}">
-                <a16:creationId xmlns:a16="http://schemas.microsoft.com/office/drawing/2014/main" id="{23A1D064-98C7-036D-CE61-CA8B681812BC}"/>
+                <a16:creationId xmlns:a16="http://schemas.microsoft.com/office/drawing/2014/main" id="{01847F82-6EB1-B000-3FFC-82D13D017120}"/>
               </a:ext>
             </a:extLst>
           </p:cNvPr>
@@ -2699,7 +2699,7 @@
           <p:cNvPr id="7" name="灯片编号占位符 6">
             <a:extLst>
               <a:ext uri="{FF2B5EF4-FFF2-40B4-BE49-F238E27FC236}">
-                <a16:creationId xmlns:a16="http://schemas.microsoft.com/office/drawing/2014/main" id="{2285278F-77B4-B19E-AC24-CDB3EC9B17C0}"/>
+                <a16:creationId xmlns:a16="http://schemas.microsoft.com/office/drawing/2014/main" id="{9A643A27-561A-86E6-A149-C5E814CCAB6E}"/>
               </a:ext>
             </a:extLst>
           </p:cNvPr>
@@ -2715,7 +2715,7 @@
           <a:bodyPr/>
           <a:lstStyle/>
           <a:p>
-            <a:fld id="{30B8C765-689D-4FF8-A24C-C1DAAD716DF4}" type="slidenum">
+            <a:fld id="{5F27E8D4-F7C3-4D31-995E-D58289451A45}" type="slidenum">
               <a:rPr lang="zh-CN" altLang="en-US" smtClean="0"/>
               <a:t>‹#›</a:t>
             </a:fld>
@@ -2726,7 +2726,7 @@
     </p:spTree>
     <p:extLst>
       <p:ext uri="{BB962C8B-B14F-4D97-AF65-F5344CB8AC3E}">
-        <p14:creationId xmlns:p14="http://schemas.microsoft.com/office/powerpoint/2010/main" val="1676857395"/>
+        <p14:creationId xmlns:p14="http://schemas.microsoft.com/office/powerpoint/2010/main" val="658946204"/>
       </p:ext>
     </p:extLst>
   </p:cSld>
@@ -2763,7 +2763,7 @@
           <p:cNvPr id="2" name="标题占位符 1">
             <a:extLst>
               <a:ext uri="{FF2B5EF4-FFF2-40B4-BE49-F238E27FC236}">
-                <a16:creationId xmlns:a16="http://schemas.microsoft.com/office/drawing/2014/main" id="{1B1FDC9B-6863-2C03-F0F1-F0BA1A8AC6F1}"/>
+                <a16:creationId xmlns:a16="http://schemas.microsoft.com/office/drawing/2014/main" id="{332B6900-3CE5-F36B-6545-28D6E2734960}"/>
               </a:ext>
             </a:extLst>
           </p:cNvPr>
@@ -2801,7 +2801,7 @@
           <p:cNvPr id="3" name="文本占位符 2">
             <a:extLst>
               <a:ext uri="{FF2B5EF4-FFF2-40B4-BE49-F238E27FC236}">
-                <a16:creationId xmlns:a16="http://schemas.microsoft.com/office/drawing/2014/main" id="{4A3B5D2A-9092-B029-BD4A-3A664D15EE4D}"/>
+                <a16:creationId xmlns:a16="http://schemas.microsoft.com/office/drawing/2014/main" id="{894BA398-7506-38A7-1DA0-87380AC1F166}"/>
               </a:ext>
             </a:extLst>
           </p:cNvPr>
@@ -2868,7 +2868,7 @@
           <p:cNvPr id="4" name="日期占位符 3">
             <a:extLst>
               <a:ext uri="{FF2B5EF4-FFF2-40B4-BE49-F238E27FC236}">
-                <a16:creationId xmlns:a16="http://schemas.microsoft.com/office/drawing/2014/main" id="{425DCBA9-656E-6520-EFA3-CE3E2421E8FF}"/>
+                <a16:creationId xmlns:a16="http://schemas.microsoft.com/office/drawing/2014/main" id="{82184A54-4253-8B57-3CA3-56BBCE262FCF}"/>
               </a:ext>
             </a:extLst>
           </p:cNvPr>
@@ -2902,7 +2902,7 @@
             </a:lvl1pPr>
           </a:lstStyle>
           <a:p>
-            <a:fld id="{67232C22-6953-4731-A149-ED2C471E2963}" type="datetimeFigureOut">
+            <a:fld id="{B60754F3-5CF6-47D7-8804-C72B012F744C}" type="datetimeFigureOut">
               <a:rPr lang="zh-CN" altLang="en-US" smtClean="0"/>
               <a:t>2024/3/10</a:t>
             </a:fld>
@@ -2915,7 +2915,7 @@
           <p:cNvPr id="5" name="页脚占位符 4">
             <a:extLst>
               <a:ext uri="{FF2B5EF4-FFF2-40B4-BE49-F238E27FC236}">
-                <a16:creationId xmlns:a16="http://schemas.microsoft.com/office/drawing/2014/main" id="{EAA5AC71-743D-2CBA-034D-F167071DA6D5}"/>
+                <a16:creationId xmlns:a16="http://schemas.microsoft.com/office/drawing/2014/main" id="{283235CC-245A-E91C-2067-C75FBA482892}"/>
               </a:ext>
             </a:extLst>
           </p:cNvPr>
@@ -2958,7 +2958,7 @@
           <p:cNvPr id="6" name="灯片编号占位符 5">
             <a:extLst>
               <a:ext uri="{FF2B5EF4-FFF2-40B4-BE49-F238E27FC236}">
-                <a16:creationId xmlns:a16="http://schemas.microsoft.com/office/drawing/2014/main" id="{B356D5FF-FBD7-6E5A-60ED-34EABFA7A0D4}"/>
+                <a16:creationId xmlns:a16="http://schemas.microsoft.com/office/drawing/2014/main" id="{D0CBD98E-01B0-B73E-0114-42042F94FFB7}"/>
               </a:ext>
             </a:extLst>
           </p:cNvPr>
@@ -2992,7 +2992,7 @@
             </a:lvl1pPr>
           </a:lstStyle>
           <a:p>
-            <a:fld id="{30B8C765-689D-4FF8-A24C-C1DAAD716DF4}" type="slidenum">
+            <a:fld id="{5F27E8D4-F7C3-4D31-995E-D58289451A45}" type="slidenum">
               <a:rPr lang="zh-CN" altLang="en-US" smtClean="0"/>
               <a:t>‹#›</a:t>
             </a:fld>
@@ -3003,7 +3003,7 @@
     </p:spTree>
     <p:extLst>
       <p:ext uri="{BB962C8B-B14F-4D97-AF65-F5344CB8AC3E}">
-        <p14:creationId xmlns:p14="http://schemas.microsoft.com/office/powerpoint/2010/main" val="804315686"/>
+        <p14:creationId xmlns:p14="http://schemas.microsoft.com/office/powerpoint/2010/main" val="390805997"/>
       </p:ext>
     </p:extLst>
   </p:cSld>
@@ -3323,7 +3323,7 @@
       </p:grpSpPr>
       <p:pic>
         <p:nvPicPr>
-          <p:cNvPr id="859138" name="Picture 2" descr="838"/>
+          <p:cNvPr id="860162" name="Picture 2" descr="839"/>
           <p:cNvPicPr>
             <a:picLocks noChangeAspect="1" noChangeArrowheads="1"/>
           </p:cNvPicPr>
@@ -3344,8 +3344,8 @@
         </p:blipFill>
         <p:spPr bwMode="auto">
           <a:xfrm>
-            <a:off x="1524000" y="44450"/>
-            <a:ext cx="9144000" cy="5746750"/>
+            <a:off x="1524001" y="0"/>
+            <a:ext cx="9053513" cy="6789738"/>
           </a:xfrm>
           <a:prstGeom prst="rect">
             <a:avLst/>
@@ -3375,11 +3375,158 @@
           </a:extLst>
         </p:spPr>
       </p:pic>
+      <p:pic>
+        <p:nvPicPr>
+          <p:cNvPr id="861187" name="Picture 3" descr="839-2"/>
+          <p:cNvPicPr>
+            <a:picLocks noChangeAspect="1" noChangeArrowheads="1"/>
+          </p:cNvPicPr>
+          <p:nvPr/>
+        </p:nvPicPr>
+        <p:blipFill>
+          <a:blip r:embed="rId3">
+            <a:extLst>
+              <a:ext uri="{28A0092B-C50C-407E-A947-70E740481C1C}">
+                <a14:useLocalDpi xmlns:a14="http://schemas.microsoft.com/office/drawing/2010/main" val="0"/>
+              </a:ext>
+            </a:extLst>
+          </a:blip>
+          <a:srcRect/>
+          <a:stretch>
+            <a:fillRect/>
+          </a:stretch>
+        </p:blipFill>
+        <p:spPr bwMode="auto">
+          <a:xfrm>
+            <a:off x="1501776" y="0"/>
+            <a:ext cx="9110663" cy="6845300"/>
+          </a:xfrm>
+          <a:prstGeom prst="rect">
+            <a:avLst/>
+          </a:prstGeom>
+          <a:noFill/>
+          <a:ln>
+            <a:noFill/>
+          </a:ln>
+          <a:effectLst/>
+          <a:extLst>
+            <a:ext uri="{909E8E84-426E-40DD-AFC4-6F175D3DCCD1}">
+              <a14:hiddenFill xmlns:a14="http://schemas.microsoft.com/office/drawing/2010/main">
+                <a:solidFill>
+                  <a:srgbClr val="FFFFFF"/>
+                </a:solidFill>
+              </a14:hiddenFill>
+            </a:ext>
+            <a:ext uri="{91240B29-F687-4F45-9708-019B960494DF}">
+              <a14:hiddenLine xmlns:a14="http://schemas.microsoft.com/office/drawing/2010/main" w="9525">
+                <a:solidFill>
+                  <a:srgbClr val="000000"/>
+                </a:solidFill>
+                <a:miter lim="800000"/>
+                <a:headEnd/>
+                <a:tailEnd/>
+              </a14:hiddenLine>
+            </a:ext>
+            <a:ext uri="{AF507438-7753-43E0-B8FC-AC1667EBCBE1}">
+              <a14:hiddenEffects xmlns:a14="http://schemas.microsoft.com/office/drawing/2010/main">
+                <a:effectLst>
+                  <a:outerShdw dist="35921" dir="2700000" algn="ctr" rotWithShape="0">
+                    <a:srgbClr val="808080"/>
+                  </a:outerShdw>
+                </a:effectLst>
+              </a14:hiddenEffects>
+            </a:ext>
+          </a:extLst>
+        </p:spPr>
+      </p:pic>
     </p:spTree>
   </p:cSld>
   <p:clrMapOvr>
     <a:masterClrMapping/>
   </p:clrMapOvr>
+  <p:timing>
+    <p:tnLst>
+      <p:par>
+        <p:cTn id="1" dur="indefinite" restart="never" nodeType="tmRoot">
+          <p:childTnLst>
+            <p:seq concurrent="1" nextAc="seek">
+              <p:cTn id="2" dur="indefinite" nodeType="mainSeq">
+                <p:childTnLst>
+                  <p:par>
+                    <p:cTn id="3" fill="hold" nodeType="clickPar">
+                      <p:stCondLst>
+                        <p:cond delay="indefinite"/>
+                      </p:stCondLst>
+                      <p:childTnLst>
+                        <p:par>
+                          <p:cTn id="4" fill="hold" nodeType="withGroup">
+                            <p:stCondLst>
+                              <p:cond delay="0"/>
+                            </p:stCondLst>
+                            <p:childTnLst>
+                              <p:par>
+                                <p:cTn id="5" presetID="10" presetClass="entr" presetSubtype="0" fill="hold" nodeType="clickEffect">
+                                  <p:stCondLst>
+                                    <p:cond delay="0"/>
+                                  </p:stCondLst>
+                                  <p:childTnLst>
+                                    <p:set>
+                                      <p:cBhvr>
+                                        <p:cTn id="6" dur="1" fill="hold">
+                                          <p:stCondLst>
+                                            <p:cond delay="0"/>
+                                          </p:stCondLst>
+                                        </p:cTn>
+                                        <p:tgtEl>
+                                          <p:spTgt spid="861187"/>
+                                        </p:tgtEl>
+                                        <p:attrNameLst>
+                                          <p:attrName>style.visibility</p:attrName>
+                                        </p:attrNameLst>
+                                      </p:cBhvr>
+                                      <p:to>
+                                        <p:strVal val="visible"/>
+                                      </p:to>
+                                    </p:set>
+                                    <p:animEffect transition="in" filter="fade">
+                                      <p:cBhvr>
+                                        <p:cTn id="7" dur="500"/>
+                                        <p:tgtEl>
+                                          <p:spTgt spid="861187"/>
+                                        </p:tgtEl>
+                                      </p:cBhvr>
+                                    </p:animEffect>
+                                  </p:childTnLst>
+                                </p:cTn>
+                              </p:par>
+                            </p:childTnLst>
+                          </p:cTn>
+                        </p:par>
+                      </p:childTnLst>
+                    </p:cTn>
+                  </p:par>
+                </p:childTnLst>
+              </p:cTn>
+              <p:prevCondLst>
+                <p:cond evt="onPrev" delay="0">
+                  <p:tgtEl>
+                    <p:sldTgt/>
+                  </p:tgtEl>
+                </p:cond>
+              </p:prevCondLst>
+              <p:nextCondLst>
+                <p:cond evt="onNext" delay="0">
+                  <p:tgtEl>
+                    <p:sldTgt/>
+                  </p:tgtEl>
+                </p:cond>
+              </p:nextCondLst>
+            </p:seq>
+          </p:childTnLst>
+        </p:cTn>
+      </p:par>
+    </p:tnLst>
+  </p:timing>
 </p:sld>
 </file>
 
